--- a/BCI - Batch2 - Day6 - Node & Express.pptx
+++ b/BCI - Batch2 - Day6 - Node & Express.pptx
@@ -674,6 +674,50 @@
               <a:rPr lang="en-GB" altLang="zh-CN" sz="900"/>
             </a:fld>
             <a:endParaRPr lang="en-GB" altLang="zh-CN" sz="900"/>
+          </a:p>
+        </p:txBody>
+      </p:sp>
+    </p:spTree>
+  </p:cSld>
+  <p:clrMapOvr>
+    <a:masterClrMapping/>
+  </p:clrMapOvr>
+</p:notes>
+</file>
+
+<file path=ppt/notesSlides/notesSlide3.xml><?xml version="1.0" encoding="utf-8"?>
+<p:notes xmlns:a="http://schemas.openxmlformats.org/drawingml/2006/main" xmlns:r="http://schemas.openxmlformats.org/officeDocument/2006/relationships" xmlns:p="http://schemas.openxmlformats.org/presentationml/2006/main">
+  <p:cSld>
+    <p:spTree>
+      <p:nvGrpSpPr>
+        <p:cNvPr id="1" name=""/>
+        <p:cNvGrpSpPr/>
+        <p:nvPr/>
+      </p:nvGrpSpPr>
+      <p:grpSpPr/>
+      <p:sp>
+        <p:nvSpPr>
+          <p:cNvPr id="2" name="幻灯片图像占位符 1"/>
+          <p:cNvSpPr/>
+          <p:nvPr>
+            <p:ph type="sldImg" idx="2"/>
+          </p:nvPr>
+        </p:nvSpPr>
+        <p:spPr/>
+      </p:sp>
+      <p:sp>
+        <p:nvSpPr>
+          <p:cNvPr id="3" name="文本占位符 2"/>
+          <p:cNvSpPr/>
+          <p:nvPr>
+            <p:ph type="body" idx="3"/>
+          </p:nvPr>
+        </p:nvSpPr>
+        <p:spPr/>
+        <p:txBody>
+          <a:bodyPr/>
+          <a:p>
+            <a:endParaRPr lang="zh-CN" altLang="en-US"/>
           </a:p>
         </p:txBody>
       </p:sp>
@@ -10144,57 +10188,6 @@
             </a:pPr>
             <a:r>
               <a:rPr lang="en-US" dirty="0"/>
-              <a:t>Fallback Proxy</a:t>
-            </a:r>
-            <a:endParaRPr lang="en-US" dirty="0"/>
-          </a:p>
-          <a:p>
-            <a:pPr marL="171450" lvl="0" indent="-171450" fontAlgn="auto">
-              <a:lnSpc>
-                <a:spcPct val="200000"/>
-              </a:lnSpc>
-              <a:spcBef>
-                <a:spcPts val="700"/>
-              </a:spcBef>
-              <a:buFont typeface="Arial" panose="020B0604020202020204" pitchFamily="34" charset="0"/>
-              <a:buChar char="•"/>
-            </a:pPr>
-            <a:r>
-              <a:rPr lang="en-US" dirty="0"/>
-              <a:t>Docker</a:t>
-            </a:r>
-            <a:endParaRPr lang="en-US" dirty="0"/>
-          </a:p>
-          <a:p>
-            <a:pPr marL="171450" lvl="0" indent="-171450" fontAlgn="auto">
-              <a:lnSpc>
-                <a:spcPct val="200000"/>
-              </a:lnSpc>
-              <a:spcBef>
-                <a:spcPts val="700"/>
-              </a:spcBef>
-              <a:buFont typeface="Arial" panose="020B0604020202020204" pitchFamily="34" charset="0"/>
-              <a:buChar char="•"/>
-            </a:pPr>
-            <a:r>
-              <a:rPr lang="en-US" dirty="0"/>
-              <a:t>Docker Compose</a:t>
-            </a:r>
-            <a:endParaRPr lang="en-US" dirty="0"/>
-          </a:p>
-          <a:p>
-            <a:pPr marL="171450" lvl="0" indent="-171450" fontAlgn="auto">
-              <a:lnSpc>
-                <a:spcPct val="200000"/>
-              </a:lnSpc>
-              <a:spcBef>
-                <a:spcPts val="700"/>
-              </a:spcBef>
-              <a:buFont typeface="Arial" panose="020B0604020202020204" pitchFamily="34" charset="0"/>
-              <a:buChar char="•"/>
-            </a:pPr>
-            <a:r>
-              <a:rPr lang="en-US" dirty="0"/>
               <a:t>Node js and Express js</a:t>
             </a:r>
             <a:endParaRPr lang="en-US" dirty="0"/>
@@ -14143,7 +14136,7 @@
                   <a:srgbClr val="262626"/>
                 </a:solidFill>
               </a:rPr>
-              <a:t>3. Writing routes and controller</a:t>
+              <a:t>4. Writing routes and controller</a:t>
             </a:r>
             <a:endParaRPr lang="en-US" altLang="en-US" sz="1780" dirty="0">
               <a:solidFill>
@@ -14163,7 +14156,7 @@
                   <a:srgbClr val="262626"/>
                 </a:solidFill>
               </a:rPr>
-              <a:t>4. Defining corresponding data models</a:t>
+              <a:t>5. Defining corresponding data models</a:t>
             </a:r>
             <a:endParaRPr lang="en-US" altLang="en-US" sz="1780" dirty="0">
               <a:solidFill>
@@ -14184,7 +14177,7 @@
                 </a:solidFill>
                 <a:sym typeface="+mn-ea"/>
               </a:rPr>
-              <a:t>5. Writing corresponding html</a:t>
+              <a:t>6. Writing corresponding html</a:t>
             </a:r>
             <a:endParaRPr lang="en-US" altLang="en-US" sz="1775" dirty="0">
               <a:solidFill>
